--- a/org/proposal_presentation.pptx
+++ b/org/proposal_presentation.pptx
@@ -41904,7 +41904,7 @@
             </a:r>
             <a:r>
               <a:rPr lang="en-GB" dirty="0"/>
-              <a:t> parameter for speed vs. accuracy trade-off</a:t>
+              <a:t> parameter for run-time vs. accuracy trade-off</a:t>
             </a:r>
           </a:p>
           <a:p>
@@ -42006,7 +42006,7 @@
       </p:sp>
       <p:pic>
         <p:nvPicPr>
-          <p:cNvPr id="2" name="Picture 1"/>
+          <p:cNvPr id="6" name="Picture 5"/>
           <p:cNvPicPr>
             <a:picLocks noChangeAspect="1"/>
           </p:cNvPicPr>
@@ -42020,8 +42020,8 @@
         </p:blipFill>
         <p:spPr>
           <a:xfrm>
-            <a:off x="835819" y="3733800"/>
-            <a:ext cx="3886200" cy="2169596"/>
+            <a:off x="668338" y="3531050"/>
+            <a:ext cx="8276626" cy="2703060"/>
           </a:xfrm>
           <a:prstGeom prst="rect">
             <a:avLst/>
@@ -42806,6 +42806,30 @@
           </a:p>
         </p:txBody>
       </p:sp>
+      <p:pic>
+        <p:nvPicPr>
+          <p:cNvPr id="2" name="Picture 1"/>
+          <p:cNvPicPr>
+            <a:picLocks noChangeAspect="1"/>
+          </p:cNvPicPr>
+          <p:nvPr/>
+        </p:nvPicPr>
+        <p:blipFill>
+          <a:blip r:embed="rId2"/>
+          <a:stretch>
+            <a:fillRect/>
+          </a:stretch>
+        </p:blipFill>
+        <p:spPr>
+          <a:xfrm>
+            <a:off x="405086" y="4095076"/>
+            <a:ext cx="11181418" cy="1543723"/>
+          </a:xfrm>
+          <a:prstGeom prst="rect">
+            <a:avLst/>
+          </a:prstGeom>
+        </p:spPr>
+      </p:pic>
     </p:spTree>
     <p:extLst>
       <p:ext uri="{BB962C8B-B14F-4D97-AF65-F5344CB8AC3E}">
@@ -42969,6 +42993,30 @@
           </a:p>
         </p:txBody>
       </p:sp>
+      <p:pic>
+        <p:nvPicPr>
+          <p:cNvPr id="2" name="Picture 1"/>
+          <p:cNvPicPr>
+            <a:picLocks noChangeAspect="1"/>
+          </p:cNvPicPr>
+          <p:nvPr/>
+        </p:nvPicPr>
+        <p:blipFill>
+          <a:blip r:embed="rId2"/>
+          <a:stretch>
+            <a:fillRect/>
+          </a:stretch>
+        </p:blipFill>
+        <p:spPr>
+          <a:xfrm>
+            <a:off x="454819" y="3733800"/>
+            <a:ext cx="7508288" cy="2260582"/>
+          </a:xfrm>
+          <a:prstGeom prst="rect">
+            <a:avLst/>
+          </a:prstGeom>
+        </p:spPr>
+      </p:pic>
     </p:spTree>
     <p:extLst>
       <p:ext uri="{BB962C8B-B14F-4D97-AF65-F5344CB8AC3E}">
